--- a/_site/lectures/Lecture13/Lecturexx.pptx
+++ b/_site/lectures/Lecture13/Lecturexx.pptx
@@ -4978,7 +4978,7 @@
             </a:pPr>
             <a:r>
               <a:rPr/>
-              <a:t>01/31/22</a:t>
+              <a:t>31 January, 2022</a:t>
             </a:r>
           </a:p>
         </p:txBody>
